--- a/Mid-Session-Project/COVID-19 Analysis BBMP.pptx
+++ b/Mid-Session-Project/COVID-19 Analysis BBMP.pptx
@@ -5,24 +5,17 @@
     <p:sldMasterId id="2147483648" r:id="rId1"/>
   </p:sldMasterIdLst>
   <p:notesMasterIdLst>
-    <p:notesMasterId r:id="rId14"/>
+    <p:notesMasterId r:id="rId7"/>
   </p:notesMasterIdLst>
   <p:handoutMasterIdLst>
-    <p:handoutMasterId r:id="rId15"/>
+    <p:handoutMasterId r:id="rId8"/>
   </p:handoutMasterIdLst>
   <p:sldIdLst>
     <p:sldId id="257" r:id="rId2"/>
     <p:sldId id="259" r:id="rId3"/>
     <p:sldId id="261" r:id="rId4"/>
-    <p:sldId id="269" r:id="rId5"/>
-    <p:sldId id="262" r:id="rId6"/>
-    <p:sldId id="263" r:id="rId7"/>
-    <p:sldId id="264" r:id="rId8"/>
-    <p:sldId id="265" r:id="rId9"/>
-    <p:sldId id="266" r:id="rId10"/>
-    <p:sldId id="267" r:id="rId11"/>
-    <p:sldId id="268" r:id="rId12"/>
-    <p:sldId id="260" r:id="rId13"/>
+    <p:sldId id="262" r:id="rId5"/>
+    <p:sldId id="260" r:id="rId6"/>
   </p:sldIdLst>
   <p:sldSz cx="12192000" cy="6858000"/>
   <p:notesSz cx="6858000" cy="9144000"/>
@@ -237,7 +230,7 @@
           <a:p>
             <a:fld id="{3292C121-8A0B-4C67-9B53-33072B18DCF5}" type="datetimeFigureOut">
               <a:rPr lang="en-US" smtClean="0"/>
-              <a:t>6/15/2020</a:t>
+              <a:t>7/7/2020</a:t>
             </a:fld>
             <a:endParaRPr lang="en-US"/>
           </a:p>
@@ -402,7 +395,7 @@
           <a:p>
             <a:fld id="{D9AA5ED1-19A9-4EA4-A6C5-933BBCB2F66C}" type="datetimeFigureOut">
               <a:rPr lang="en-US" smtClean="0"/>
-              <a:t>6/15/2020</a:t>
+              <a:t>7/7/2020</a:t>
             </a:fld>
             <a:endParaRPr lang="en-US"/>
           </a:p>
@@ -961,7 +954,7 @@
             </a:pPr>
             <a:fld id="{D567A097-B8DE-4F76-9C8C-1217BD4B81B3}" type="datetime1">
               <a:rPr lang="en-IN" smtClean="0"/>
-              <a:t>15-06-2020</a:t>
+              <a:t>07-07-2020</a:t>
             </a:fld>
             <a:endParaRPr lang="en-IN" dirty="0"/>
           </a:p>
@@ -1230,7 +1223,7 @@
             </a:pPr>
             <a:fld id="{E08CF9AB-4F87-41C2-864E-2650B864920E}" type="datetime1">
               <a:rPr lang="en-IN" smtClean="0"/>
-              <a:t>15-06-2020</a:t>
+              <a:t>07-07-2020</a:t>
             </a:fld>
             <a:endParaRPr lang="en-IN" dirty="0"/>
           </a:p>
@@ -1442,7 +1435,7 @@
             </a:pPr>
             <a:fld id="{6DFA6914-FB69-443A-B003-DC72D94B37C5}" type="datetime1">
               <a:rPr lang="en-IN" smtClean="0"/>
-              <a:t>15-06-2020</a:t>
+              <a:t>07-07-2020</a:t>
             </a:fld>
             <a:endParaRPr lang="en-IN" dirty="0"/>
           </a:p>
@@ -1730,7 +1723,7 @@
             </a:pPr>
             <a:fld id="{66705992-2BD3-472C-AFA6-B5E8D0D3A098}" type="datetime1">
               <a:rPr lang="en-IN" smtClean="0"/>
-              <a:t>15-06-2020</a:t>
+              <a:t>07-07-2020</a:t>
             </a:fld>
             <a:endParaRPr lang="en-IN" dirty="0"/>
           </a:p>
@@ -2078,7 +2071,7 @@
             </a:pPr>
             <a:fld id="{11447427-32D5-4CF7-A12C-15DB6CECF50F}" type="datetime1">
               <a:rPr lang="en-IN" smtClean="0"/>
-              <a:t>15-06-2020</a:t>
+              <a:t>07-07-2020</a:t>
             </a:fld>
             <a:endParaRPr lang="en-IN" dirty="0"/>
           </a:p>
@@ -2546,7 +2539,7 @@
             </a:pPr>
             <a:fld id="{C096D5B4-1F22-49EB-A123-6D464A8CCE44}" type="datetime1">
               <a:rPr lang="en-IN" smtClean="0"/>
-              <a:t>15-06-2020</a:t>
+              <a:t>07-07-2020</a:t>
             </a:fld>
             <a:endParaRPr lang="en-IN" dirty="0"/>
           </a:p>
@@ -2758,7 +2751,7 @@
             </a:pPr>
             <a:fld id="{6BB546C1-B1BB-4858-BC68-D72B3707E1A6}" type="datetime1">
               <a:rPr lang="en-IN" smtClean="0"/>
-              <a:t>15-06-2020</a:t>
+              <a:t>07-07-2020</a:t>
             </a:fld>
             <a:endParaRPr lang="en-IN" dirty="0"/>
           </a:p>
@@ -2928,7 +2921,7 @@
             </a:pPr>
             <a:fld id="{9D00C48C-49F0-4AF3-A230-DBE43EA1EA6D}" type="datetime1">
               <a:rPr lang="en-IN" smtClean="0"/>
-              <a:t>15-06-2020</a:t>
+              <a:t>07-07-2020</a:t>
             </a:fld>
             <a:endParaRPr lang="en-IN" dirty="0"/>
           </a:p>
@@ -3296,7 +3289,7 @@
             </a:pPr>
             <a:fld id="{8FBD769C-F247-4C4B-8886-B4F00F10DC6A}" type="datetime1">
               <a:rPr lang="en-IN" smtClean="0"/>
-              <a:t>15-06-2020</a:t>
+              <a:t>07-07-2020</a:t>
             </a:fld>
             <a:endParaRPr lang="en-IN" dirty="0"/>
           </a:p>
@@ -3640,7 +3633,7 @@
             </a:pPr>
             <a:fld id="{FC96BA07-3130-4789-B16D-41949C8D1559}" type="datetime1">
               <a:rPr lang="en-IN" smtClean="0"/>
-              <a:t>15-06-2020</a:t>
+              <a:t>07-07-2020</a:t>
             </a:fld>
             <a:endParaRPr lang="en-IN" dirty="0"/>
           </a:p>
@@ -4244,7 +4237,7 @@
                 <a:latin typeface="Calibri Light" panose="020F0302020204030204" pitchFamily="34" charset="0"/>
                 <a:cs typeface="Calibri Light" panose="020F0302020204030204" pitchFamily="34" charset="0"/>
               </a:rPr>
-              <a:t>Intro to Data &amp; Course Overview</a:t>
+              <a:t>Mid Session Project</a:t>
             </a:r>
             <a:endParaRPr lang="en-IN" sz="3600" b="1" dirty="0">
               <a:solidFill>
@@ -4379,445 +4372,6 @@
 </p:sld>
 </file>
 
-<file path=ppt/slides/slide10.xml><?xml version="1.0" encoding="utf-8"?>
-<p:sld xmlns:a="http://schemas.openxmlformats.org/drawingml/2006/main" xmlns:r="http://schemas.openxmlformats.org/officeDocument/2006/relationships" xmlns:p="http://schemas.openxmlformats.org/presentationml/2006/main">
-  <p:cSld>
-    <p:spTree>
-      <p:nvGrpSpPr>
-        <p:cNvPr id="1" name=""/>
-        <p:cNvGrpSpPr/>
-        <p:nvPr/>
-      </p:nvGrpSpPr>
-      <p:grpSpPr>
-        <a:xfrm>
-          <a:off x="0" y="0"/>
-          <a:ext cx="0" cy="0"/>
-          <a:chOff x="0" y="0"/>
-          <a:chExt cx="0" cy="0"/>
-        </a:xfrm>
-      </p:grpSpPr>
-      <p:sp>
-        <p:nvSpPr>
-          <p:cNvPr id="2" name="Title 1"/>
-          <p:cNvSpPr>
-            <a:spLocks noGrp="1"/>
-          </p:cNvSpPr>
-          <p:nvPr>
-            <p:ph type="title"/>
-          </p:nvPr>
-        </p:nvSpPr>
-        <p:spPr/>
-        <p:txBody>
-          <a:bodyPr/>
-          <a:lstStyle/>
-          <a:p>
-            <a:r>
-              <a:rPr lang="en-US" dirty="0" smtClean="0"/>
-              <a:t>Session 13 – Putting ML into Production</a:t>
-            </a:r>
-            <a:endParaRPr lang="en-US" dirty="0"/>
-          </a:p>
-        </p:txBody>
-      </p:sp>
-      <p:sp>
-        <p:nvSpPr>
-          <p:cNvPr id="3" name="Footer Placeholder 2"/>
-          <p:cNvSpPr>
-            <a:spLocks noGrp="1"/>
-          </p:cNvSpPr>
-          <p:nvPr>
-            <p:ph type="ftr" sz="quarter" idx="11"/>
-          </p:nvPr>
-        </p:nvSpPr>
-        <p:spPr/>
-        <p:txBody>
-          <a:bodyPr/>
-          <a:lstStyle/>
-          <a:p>
-            <a:pPr>
-              <a:defRPr/>
-            </a:pPr>
-            <a:r>
-              <a:rPr lang="en-IN" smtClean="0"/>
-              <a:t>AXISCADES proprietary and confidential data</a:t>
-            </a:r>
-            <a:endParaRPr lang="en-IN"/>
-          </a:p>
-        </p:txBody>
-      </p:sp>
-      <p:sp>
-        <p:nvSpPr>
-          <p:cNvPr id="4" name="Slide Number Placeholder 3"/>
-          <p:cNvSpPr>
-            <a:spLocks noGrp="1"/>
-          </p:cNvSpPr>
-          <p:nvPr>
-            <p:ph type="sldNum" sz="quarter" idx="12"/>
-          </p:nvPr>
-        </p:nvSpPr>
-        <p:spPr/>
-        <p:txBody>
-          <a:bodyPr/>
-          <a:lstStyle/>
-          <a:p>
-            <a:fld id="{942AA6F4-5089-4C5D-8D3D-EC51493F3F3F}" type="slidenum">
-              <a:rPr lang="en-IN" smtClean="0"/>
-              <a:pPr/>
-              <a:t>10</a:t>
-            </a:fld>
-            <a:endParaRPr lang="en-IN" dirty="0"/>
-          </a:p>
-        </p:txBody>
-      </p:sp>
-      <p:sp>
-        <p:nvSpPr>
-          <p:cNvPr id="5" name="Content Placeholder 4"/>
-          <p:cNvSpPr>
-            <a:spLocks noGrp="1"/>
-          </p:cNvSpPr>
-          <p:nvPr>
-            <p:ph idx="1"/>
-          </p:nvPr>
-        </p:nvSpPr>
-        <p:spPr>
-          <a:xfrm>
-            <a:off x="1788460" y="1640541"/>
-            <a:ext cx="8720168" cy="4071470"/>
-          </a:xfrm>
-        </p:spPr>
-        <p:txBody>
-          <a:bodyPr/>
-          <a:lstStyle/>
-          <a:p>
-            <a:r>
-              <a:rPr lang="en-US" dirty="0" smtClean="0"/>
-              <a:t>Introduction to HTML, CSS</a:t>
-            </a:r>
-          </a:p>
-          <a:p>
-            <a:r>
-              <a:rPr lang="en-US" dirty="0" smtClean="0"/>
-              <a:t>Introduction to MySQL</a:t>
-            </a:r>
-          </a:p>
-          <a:p>
-            <a:r>
-              <a:rPr lang="en-US" dirty="0" smtClean="0"/>
-              <a:t>Introduction to Flask</a:t>
-            </a:r>
-          </a:p>
-          <a:p>
-            <a:r>
-              <a:rPr lang="en-US" dirty="0" smtClean="0"/>
-              <a:t>Data </a:t>
-            </a:r>
-            <a:r>
-              <a:rPr lang="en-US" dirty="0" err="1" smtClean="0"/>
-              <a:t>Visualisation</a:t>
-            </a:r>
-            <a:endParaRPr lang="en-US" dirty="0" smtClean="0"/>
-          </a:p>
-        </p:txBody>
-      </p:sp>
-    </p:spTree>
-    <p:extLst>
-      <p:ext uri="{BB962C8B-B14F-4D97-AF65-F5344CB8AC3E}">
-        <p14:creationId xmlns:p14="http://schemas.microsoft.com/office/powerpoint/2010/main" val="1457350817"/>
-      </p:ext>
-    </p:extLst>
-  </p:cSld>
-  <p:clrMapOvr>
-    <a:masterClrMapping/>
-  </p:clrMapOvr>
-</p:sld>
-</file>
-
-<file path=ppt/slides/slide11.xml><?xml version="1.0" encoding="utf-8"?>
-<p:sld xmlns:a="http://schemas.openxmlformats.org/drawingml/2006/main" xmlns:r="http://schemas.openxmlformats.org/officeDocument/2006/relationships" xmlns:p="http://schemas.openxmlformats.org/presentationml/2006/main">
-  <p:cSld>
-    <p:spTree>
-      <p:nvGrpSpPr>
-        <p:cNvPr id="1" name=""/>
-        <p:cNvGrpSpPr/>
-        <p:nvPr/>
-      </p:nvGrpSpPr>
-      <p:grpSpPr>
-        <a:xfrm>
-          <a:off x="0" y="0"/>
-          <a:ext cx="0" cy="0"/>
-          <a:chOff x="0" y="0"/>
-          <a:chExt cx="0" cy="0"/>
-        </a:xfrm>
-      </p:grpSpPr>
-      <p:sp>
-        <p:nvSpPr>
-          <p:cNvPr id="2" name="Title 1"/>
-          <p:cNvSpPr>
-            <a:spLocks noGrp="1"/>
-          </p:cNvSpPr>
-          <p:nvPr>
-            <p:ph type="title"/>
-          </p:nvPr>
-        </p:nvSpPr>
-        <p:spPr/>
-        <p:txBody>
-          <a:bodyPr/>
-          <a:lstStyle/>
-          <a:p>
-            <a:r>
-              <a:rPr lang="en-US" dirty="0" smtClean="0"/>
-              <a:t>Session 14, 15 – Big Data Analytics Introduction</a:t>
-            </a:r>
-            <a:endParaRPr lang="en-US" dirty="0"/>
-          </a:p>
-        </p:txBody>
-      </p:sp>
-      <p:sp>
-        <p:nvSpPr>
-          <p:cNvPr id="3" name="Footer Placeholder 2"/>
-          <p:cNvSpPr>
-            <a:spLocks noGrp="1"/>
-          </p:cNvSpPr>
-          <p:nvPr>
-            <p:ph type="ftr" sz="quarter" idx="11"/>
-          </p:nvPr>
-        </p:nvSpPr>
-        <p:spPr/>
-        <p:txBody>
-          <a:bodyPr/>
-          <a:lstStyle/>
-          <a:p>
-            <a:pPr>
-              <a:defRPr/>
-            </a:pPr>
-            <a:r>
-              <a:rPr lang="en-IN" smtClean="0"/>
-              <a:t>AXISCADES proprietary and confidential data</a:t>
-            </a:r>
-            <a:endParaRPr lang="en-IN"/>
-          </a:p>
-        </p:txBody>
-      </p:sp>
-      <p:sp>
-        <p:nvSpPr>
-          <p:cNvPr id="4" name="Slide Number Placeholder 3"/>
-          <p:cNvSpPr>
-            <a:spLocks noGrp="1"/>
-          </p:cNvSpPr>
-          <p:nvPr>
-            <p:ph type="sldNum" sz="quarter" idx="12"/>
-          </p:nvPr>
-        </p:nvSpPr>
-        <p:spPr/>
-        <p:txBody>
-          <a:bodyPr/>
-          <a:lstStyle/>
-          <a:p>
-            <a:fld id="{942AA6F4-5089-4C5D-8D3D-EC51493F3F3F}" type="slidenum">
-              <a:rPr lang="en-IN" smtClean="0"/>
-              <a:pPr/>
-              <a:t>11</a:t>
-            </a:fld>
-            <a:endParaRPr lang="en-IN" dirty="0"/>
-          </a:p>
-        </p:txBody>
-      </p:sp>
-      <p:sp>
-        <p:nvSpPr>
-          <p:cNvPr id="5" name="Content Placeholder 4"/>
-          <p:cNvSpPr>
-            <a:spLocks noGrp="1"/>
-          </p:cNvSpPr>
-          <p:nvPr>
-            <p:ph idx="1"/>
-          </p:nvPr>
-        </p:nvSpPr>
-        <p:spPr>
-          <a:xfrm>
-            <a:off x="1304364" y="1371601"/>
-            <a:ext cx="7395884" cy="2286000"/>
-          </a:xfrm>
-        </p:spPr>
-        <p:txBody>
-          <a:bodyPr/>
-          <a:lstStyle/>
-          <a:p>
-            <a:pPr lvl="0"/>
-            <a:r>
-              <a:rPr lang="en-US" dirty="0"/>
-              <a:t>Introduction to </a:t>
-            </a:r>
-            <a:r>
-              <a:rPr lang="en-US" dirty="0" err="1"/>
-              <a:t>PySpark</a:t>
-            </a:r>
-            <a:endParaRPr lang="en-US" dirty="0"/>
-          </a:p>
-          <a:p>
-            <a:pPr lvl="0"/>
-            <a:r>
-              <a:rPr lang="en-US" dirty="0"/>
-              <a:t>Introduction to HDFS, RDD and </a:t>
-            </a:r>
-            <a:r>
-              <a:rPr lang="en-US" dirty="0" err="1"/>
-              <a:t>SparkSQL</a:t>
-            </a:r>
-            <a:endParaRPr lang="en-US" dirty="0"/>
-          </a:p>
-          <a:p>
-            <a:pPr lvl="0"/>
-            <a:r>
-              <a:rPr lang="en-US" dirty="0"/>
-              <a:t>Using Machine Learning with </a:t>
-            </a:r>
-            <a:r>
-              <a:rPr lang="en-US" dirty="0" err="1" smtClean="0"/>
-              <a:t>PySpark</a:t>
-            </a:r>
-            <a:endParaRPr lang="en-US" dirty="0"/>
-          </a:p>
-        </p:txBody>
-      </p:sp>
-    </p:spTree>
-    <p:extLst>
-      <p:ext uri="{BB962C8B-B14F-4D97-AF65-F5344CB8AC3E}">
-        <p14:creationId xmlns:p14="http://schemas.microsoft.com/office/powerpoint/2010/main" val="2303948866"/>
-      </p:ext>
-    </p:extLst>
-  </p:cSld>
-  <p:clrMapOvr>
-    <a:masterClrMapping/>
-  </p:clrMapOvr>
-</p:sld>
-</file>
-
-<file path=ppt/slides/slide12.xml><?xml version="1.0" encoding="utf-8"?>
-<p:sld xmlns:a="http://schemas.openxmlformats.org/drawingml/2006/main" xmlns:r="http://schemas.openxmlformats.org/officeDocument/2006/relationships" xmlns:p="http://schemas.openxmlformats.org/presentationml/2006/main">
-  <p:cSld>
-    <p:spTree>
-      <p:nvGrpSpPr>
-        <p:cNvPr id="1" name=""/>
-        <p:cNvGrpSpPr/>
-        <p:nvPr/>
-      </p:nvGrpSpPr>
-      <p:grpSpPr>
-        <a:xfrm>
-          <a:off x="0" y="0"/>
-          <a:ext cx="0" cy="0"/>
-          <a:chOff x="0" y="0"/>
-          <a:chExt cx="0" cy="0"/>
-        </a:xfrm>
-      </p:grpSpPr>
-      <p:sp>
-        <p:nvSpPr>
-          <p:cNvPr id="2" name="Title 1"/>
-          <p:cNvSpPr>
-            <a:spLocks noGrp="1"/>
-          </p:cNvSpPr>
-          <p:nvPr>
-            <p:ph type="title" idx="4294967295"/>
-          </p:nvPr>
-        </p:nvSpPr>
-        <p:spPr>
-          <a:xfrm>
-            <a:off x="1371600" y="1549694"/>
-            <a:ext cx="4961965" cy="1625879"/>
-          </a:xfrm>
-          <a:prstGeom prst="rect">
-            <a:avLst/>
-          </a:prstGeom>
-        </p:spPr>
-        <p:txBody>
-          <a:bodyPr/>
-          <a:lstStyle/>
-          <a:p>
-            <a:pPr>
-              <a:lnSpc>
-                <a:spcPct val="150000"/>
-              </a:lnSpc>
-              <a:tabLst>
-                <a:tab pos="6184900" algn="l"/>
-              </a:tabLst>
-            </a:pPr>
-            <a:r>
-              <a:rPr lang="en-IN" sz="3600" b="1" dirty="0" smtClean="0">
-                <a:solidFill>
-                  <a:schemeClr val="bg1"/>
-                </a:solidFill>
-                <a:latin typeface="Calibri Light" panose="020F0302020204030204" pitchFamily="34" charset="0"/>
-                <a:cs typeface="Calibri Light" panose="020F0302020204030204" pitchFamily="34" charset="0"/>
-              </a:rPr>
-              <a:t>THANK YOU</a:t>
-            </a:r>
-            <a:br>
-              <a:rPr lang="en-IN" sz="3600" b="1" dirty="0" smtClean="0">
-                <a:solidFill>
-                  <a:schemeClr val="bg1"/>
-                </a:solidFill>
-                <a:latin typeface="Calibri Light" panose="020F0302020204030204" pitchFamily="34" charset="0"/>
-                <a:cs typeface="Calibri Light" panose="020F0302020204030204" pitchFamily="34" charset="0"/>
-              </a:rPr>
-            </a:br>
-            <a:r>
-              <a:rPr lang="en-IN" sz="3600" b="1" dirty="0" smtClean="0">
-                <a:solidFill>
-                  <a:schemeClr val="bg1"/>
-                </a:solidFill>
-                <a:latin typeface="Calibri Light" panose="020F0302020204030204" pitchFamily="34" charset="0"/>
-                <a:cs typeface="Calibri Light" panose="020F0302020204030204" pitchFamily="34" charset="0"/>
-              </a:rPr>
-              <a:t/>
-            </a:r>
-            <a:br>
-              <a:rPr lang="en-IN" sz="3600" b="1" dirty="0" smtClean="0">
-                <a:solidFill>
-                  <a:schemeClr val="bg1"/>
-                </a:solidFill>
-                <a:latin typeface="Calibri Light" panose="020F0302020204030204" pitchFamily="34" charset="0"/>
-                <a:cs typeface="Calibri Light" panose="020F0302020204030204" pitchFamily="34" charset="0"/>
-              </a:rPr>
-            </a:br>
-            <a:r>
-              <a:rPr lang="en-IN" sz="2800" b="1" i="1" dirty="0" smtClean="0">
-                <a:solidFill>
-                  <a:schemeClr val="bg2"/>
-                </a:solidFill>
-                <a:latin typeface="Calibri Light" panose="020F0302020204030204" pitchFamily="34" charset="0"/>
-                <a:cs typeface="Calibri Light" panose="020F0302020204030204" pitchFamily="34" charset="0"/>
-              </a:rPr>
-              <a:t>sudeep.dsouza@axiscades.com</a:t>
-            </a:r>
-            <a:endParaRPr lang="en-IN" sz="3600" b="1" i="1" dirty="0">
-              <a:solidFill>
-                <a:schemeClr val="bg2"/>
-              </a:solidFill>
-              <a:latin typeface="Calibri Light" panose="020F0302020204030204" pitchFamily="34" charset="0"/>
-              <a:cs typeface="Calibri Light" panose="020F0302020204030204" pitchFamily="34" charset="0"/>
-            </a:endParaRPr>
-          </a:p>
-        </p:txBody>
-      </p:sp>
-    </p:spTree>
-    <p:extLst>
-      <p:ext uri="{BB962C8B-B14F-4D97-AF65-F5344CB8AC3E}">
-        <p14:creationId xmlns:p14="http://schemas.microsoft.com/office/powerpoint/2010/main" val="1028712994"/>
-      </p:ext>
-    </p:extLst>
-  </p:cSld>
-  <p:clrMapOvr>
-    <a:masterClrMapping/>
-  </p:clrMapOvr>
-  <p:timing>
-    <p:tnLst>
-      <p:par>
-        <p:cTn id="1" dur="indefinite" restart="never" nodeType="tmRoot"/>
-      </p:par>
-    </p:tnLst>
-  </p:timing>
-</p:sld>
-</file>
-
 <file path=ppt/slides/slide2.xml><?xml version="1.0" encoding="utf-8"?>
 <p:sld xmlns:a="http://schemas.openxmlformats.org/drawingml/2006/main" xmlns:r="http://schemas.openxmlformats.org/officeDocument/2006/relationships" xmlns:p="http://schemas.openxmlformats.org/presentationml/2006/main">
   <p:cSld>
@@ -4859,7 +4413,7 @@
           <a:p>
             <a:r>
               <a:rPr lang="en-US" sz="3600" dirty="0" smtClean="0"/>
-              <a:t>What is Data?</a:t>
+              <a:t>COVID-19 Analysis</a:t>
             </a:r>
             <a:endParaRPr lang="en-US" sz="3600" dirty="0"/>
           </a:p>
@@ -4923,8 +4477,8 @@
         </p:nvSpPr>
         <p:spPr>
           <a:xfrm>
-            <a:off x="1348177" y="1680882"/>
-            <a:ext cx="9400115" cy="1477328"/>
+            <a:off x="487565" y="1373578"/>
+            <a:ext cx="10843823" cy="369332"/>
           </a:xfrm>
           <a:prstGeom prst="rect">
             <a:avLst/>
@@ -4938,26 +4492,41 @@
           <a:lstStyle/>
           <a:p>
             <a:r>
-              <a:rPr lang="en-US" dirty="0"/>
-              <a:t>Data are characteristics or information, usually numerical, that are collected through observation. In a more technical sense, data is a set of values of qualitative or quantitative variables about one or more persons or </a:t>
-            </a:r>
-            <a:r>
-              <a:rPr lang="en-US" dirty="0" smtClean="0"/>
-              <a:t>objects.</a:t>
-            </a:r>
-          </a:p>
-          <a:p>
-            <a:endParaRPr lang="en-US" dirty="0"/>
-          </a:p>
-          <a:p>
-            <a:r>
               <a:rPr lang="en-US" i="1" dirty="0" smtClean="0"/>
-              <a:t>The singular of Data is Datum.</a:t>
+              <a:t>Provide data insights into the spread of COVID-19 by using the dat</a:t>
+            </a:r>
+            <a:r>
+              <a:rPr lang="en-US" i="1" dirty="0" smtClean="0"/>
+              <a:t>a provided by the BBMP in Bangalore.</a:t>
             </a:r>
             <a:endParaRPr lang="en-US" i="1" dirty="0"/>
           </a:p>
         </p:txBody>
       </p:sp>
+      <p:pic>
+        <p:nvPicPr>
+          <p:cNvPr id="6" name="Picture 5"/>
+          <p:cNvPicPr>
+            <a:picLocks noChangeAspect="1"/>
+          </p:cNvPicPr>
+          <p:nvPr/>
+        </p:nvPicPr>
+        <p:blipFill>
+          <a:blip r:embed="rId2"/>
+          <a:stretch>
+            <a:fillRect/>
+          </a:stretch>
+        </p:blipFill>
+        <p:spPr>
+          <a:xfrm>
+            <a:off x="2931039" y="2200149"/>
+            <a:ext cx="6329922" cy="3556592"/>
+          </a:xfrm>
+          <a:prstGeom prst="rect">
+            <a:avLst/>
+          </a:prstGeom>
+        </p:spPr>
+      </p:pic>
     </p:spTree>
     <p:extLst>
       <p:ext uri="{BB962C8B-B14F-4D97-AF65-F5344CB8AC3E}">
@@ -5007,16 +4576,14 @@
         </p:nvSpPr>
         <p:spPr/>
         <p:txBody>
-          <a:bodyPr>
-            <a:normAutofit/>
-          </a:bodyPr>
+          <a:bodyPr/>
           <a:lstStyle/>
           <a:p>
             <a:r>
-              <a:rPr lang="en-US" sz="3200" dirty="0" smtClean="0"/>
-              <a:t>Types of Data</a:t>
-            </a:r>
-            <a:endParaRPr lang="en-US" sz="3200" dirty="0"/>
+              <a:rPr lang="en-US" dirty="0" smtClean="0"/>
+              <a:t>Site for Data</a:t>
+            </a:r>
+            <a:endParaRPr lang="en-US" dirty="0"/>
           </a:p>
         </p:txBody>
       </p:sp>
@@ -5072,55 +4639,14 @@
       </p:sp>
       <p:sp>
         <p:nvSpPr>
-          <p:cNvPr id="6" name="TextBox 5"/>
-          <p:cNvSpPr txBox="1"/>
-          <p:nvPr/>
-        </p:nvSpPr>
-        <p:spPr>
-          <a:xfrm>
-            <a:off x="470647" y="1411941"/>
-            <a:ext cx="4881282" cy="738664"/>
-          </a:xfrm>
-          <a:prstGeom prst="rect">
-            <a:avLst/>
-          </a:prstGeom>
-          <a:noFill/>
-        </p:spPr>
-        <p:txBody>
-          <a:bodyPr wrap="square" rtlCol="0">
-            <a:spAutoFit/>
-          </a:bodyPr>
-          <a:lstStyle/>
-          <a:p>
-            <a:r>
-              <a:rPr lang="en-US" sz="1400" b="1" i="1" dirty="0"/>
-              <a:t>Quantitative</a:t>
-            </a:r>
-            <a:r>
-              <a:rPr lang="en-US" sz="1400" b="1" dirty="0"/>
-              <a:t> </a:t>
-            </a:r>
-            <a:r>
-              <a:rPr lang="en-US" sz="1400" dirty="0"/>
-              <a:t>data deals with numbers and things you can measure objectively: dimensions such as height, width, and length. Temperature and humidity. Prices. Area and volume</a:t>
-            </a:r>
-            <a:r>
-              <a:rPr lang="en-US" sz="1400" dirty="0" smtClean="0"/>
-              <a:t>.</a:t>
-            </a:r>
-          </a:p>
-        </p:txBody>
-      </p:sp>
-      <p:sp>
-        <p:nvSpPr>
-          <p:cNvPr id="7" name="Rectangle 6"/>
+          <p:cNvPr id="6" name="Rectangle 5"/>
           <p:cNvSpPr/>
           <p:nvPr/>
         </p:nvSpPr>
         <p:spPr>
           <a:xfrm>
-            <a:off x="900953" y="2623755"/>
-            <a:ext cx="4558553" cy="2462213"/>
+            <a:off x="495300" y="1644134"/>
+            <a:ext cx="11201400" cy="369332"/>
           </a:xfrm>
           <a:prstGeom prst="rect">
             <a:avLst/>
@@ -5133,34 +4659,103 @@
           <a:lstStyle/>
           <a:p>
             <a:r>
-              <a:rPr lang="en-US" sz="1400" b="1" dirty="0"/>
-              <a:t>Continuous data</a:t>
-            </a:r>
-            <a:r>
-              <a:rPr lang="en-US" sz="1400" dirty="0"/>
-              <a:t>, on the other hand, could be divided and reduced to finer and finer levels. For example, you can measure the height of your kids at progressively more precise scales—meters, centimeters, millimeters, and beyond—so height is continuous data.</a:t>
-            </a:r>
-          </a:p>
-          <a:p>
-            <a:endParaRPr lang="en-US" sz="1400" dirty="0" smtClean="0"/>
-          </a:p>
-          <a:p>
-            <a:r>
-              <a:rPr lang="en-US" sz="1400" b="1" dirty="0" smtClean="0"/>
-              <a:t>Discrete</a:t>
-            </a:r>
-            <a:r>
-              <a:rPr lang="en-US" sz="1400" b="1" dirty="0"/>
-              <a:t> data</a:t>
-            </a:r>
-            <a:r>
-              <a:rPr lang="en-US" sz="1400" dirty="0"/>
-              <a:t> is a count that can't be made more precise. Typically it involves integers. For instance, the number of children (or adults, or pets) in your family is discrete data, because you are counting whole, indivisible entities: you can't have 2.5 kids, or 1.3 pets</a:t>
-            </a:r>
-            <a:r>
-              <a:rPr lang="en-US" sz="1400" dirty="0" smtClean="0"/>
-              <a:t>.</a:t>
-            </a:r>
+              <a:rPr lang="en-US" dirty="0">
+                <a:hlinkClick r:id="rId2"/>
+              </a:rPr>
+              <a:t>https://analysis.bbmpgov.in/#/dashboards/7WGKgnEBHZrt-aeeDTHg?embedd=1&amp;toolbar=0&amp;t=bbmp.com</a:t>
+            </a:r>
+            <a:endParaRPr lang="en-US" dirty="0"/>
+          </a:p>
+        </p:txBody>
+      </p:sp>
+      <p:sp>
+        <p:nvSpPr>
+          <p:cNvPr id="7" name="Rectangle 6"/>
+          <p:cNvSpPr/>
+          <p:nvPr/>
+        </p:nvSpPr>
+        <p:spPr>
+          <a:xfrm>
+            <a:off x="716925" y="2821201"/>
+            <a:ext cx="2937535" cy="369332"/>
+          </a:xfrm>
+          <a:prstGeom prst="rect">
+            <a:avLst/>
+          </a:prstGeom>
+        </p:spPr>
+        <p:txBody>
+          <a:bodyPr wrap="none">
+            <a:spAutoFit/>
+          </a:bodyPr>
+          <a:lstStyle/>
+          <a:p>
+            <a:r>
+              <a:rPr lang="en-US" dirty="0">
+                <a:hlinkClick r:id="rId3"/>
+              </a:rPr>
+              <a:t>http://bbmp.gov.in/covid-19</a:t>
+            </a:r>
+            <a:endParaRPr lang="en-US" dirty="0"/>
+          </a:p>
+        </p:txBody>
+      </p:sp>
+      <p:sp>
+        <p:nvSpPr>
+          <p:cNvPr id="8" name="TextBox 7"/>
+          <p:cNvSpPr txBox="1"/>
+          <p:nvPr/>
+        </p:nvSpPr>
+        <p:spPr>
+          <a:xfrm>
+            <a:off x="618565" y="1210235"/>
+            <a:ext cx="3134256" cy="369332"/>
+          </a:xfrm>
+          <a:prstGeom prst="rect">
+            <a:avLst/>
+          </a:prstGeom>
+          <a:noFill/>
+        </p:spPr>
+        <p:txBody>
+          <a:bodyPr wrap="none" rtlCol="0">
+            <a:spAutoFit/>
+          </a:bodyPr>
+          <a:lstStyle/>
+          <a:p>
+            <a:r>
+              <a:rPr lang="en-US" b="1" dirty="0" smtClean="0"/>
+              <a:t>Visual Analysis Dashboard</a:t>
+            </a:r>
+            <a:endParaRPr lang="en-US" b="1" dirty="0"/>
+          </a:p>
+        </p:txBody>
+      </p:sp>
+      <p:sp>
+        <p:nvSpPr>
+          <p:cNvPr id="9" name="TextBox 8"/>
+          <p:cNvSpPr txBox="1"/>
+          <p:nvPr/>
+        </p:nvSpPr>
+        <p:spPr>
+          <a:xfrm>
+            <a:off x="618565" y="2381919"/>
+            <a:ext cx="2287806" cy="369332"/>
+          </a:xfrm>
+          <a:prstGeom prst="rect">
+            <a:avLst/>
+          </a:prstGeom>
+          <a:noFill/>
+        </p:spPr>
+        <p:txBody>
+          <a:bodyPr wrap="none" rtlCol="0">
+            <a:spAutoFit/>
+          </a:bodyPr>
+          <a:lstStyle/>
+          <a:p>
+            <a:r>
+              <a:rPr lang="en-US" b="1" dirty="0" smtClean="0"/>
+              <a:t>COVID-19 Bulletins</a:t>
+            </a:r>
+            <a:endParaRPr lang="en-US" b="1" dirty="0"/>
           </a:p>
         </p:txBody>
       </p:sp>
@@ -5172,8 +4767,8 @@
         </p:nvSpPr>
         <p:spPr>
           <a:xfrm>
-            <a:off x="6526646" y="1411941"/>
-            <a:ext cx="5235388" cy="738664"/>
+            <a:off x="716925" y="4691241"/>
+            <a:ext cx="8870828" cy="523220"/>
           </a:xfrm>
           <a:prstGeom prst="rect">
             <a:avLst/>
@@ -5186,205 +4781,61 @@
           <a:lstStyle/>
           <a:p>
             <a:r>
-              <a:rPr lang="en-US" sz="1400" b="1" i="1" dirty="0"/>
-              <a:t>Qualitative </a:t>
-            </a:r>
-            <a:r>
-              <a:rPr lang="en-US" sz="1400" dirty="0"/>
-              <a:t>data deals with characteristics and descriptors that can't be easily measured, but can be observed subjectively—such as smells, tastes, textures, attractiveness. </a:t>
-            </a:r>
-          </a:p>
-        </p:txBody>
-      </p:sp>
-      <p:sp>
-        <p:nvSpPr>
-          <p:cNvPr id="11" name="Rectangle 10"/>
-          <p:cNvSpPr/>
+              <a:rPr lang="en-US" sz="2800" b="1" dirty="0" smtClean="0">
+                <a:latin typeface="Times New Roman" panose="02020603050405020304" pitchFamily="18" charset="0"/>
+              </a:rPr>
+              <a:t>Status </a:t>
+            </a:r>
+            <a:r>
+              <a:rPr lang="en-US" sz="2800" b="1" dirty="0">
+                <a:latin typeface="Times New Roman" panose="02020603050405020304" pitchFamily="18" charset="0"/>
+              </a:rPr>
+              <a:t>Of Active Containment Zones In BBMP </a:t>
+            </a:r>
+            <a:endParaRPr lang="en-US" sz="2800" dirty="0"/>
+          </a:p>
+        </p:txBody>
+      </p:sp>
+      <p:sp>
+        <p:nvSpPr>
+          <p:cNvPr id="11" name="TextBox 10"/>
+          <p:cNvSpPr txBox="1"/>
           <p:nvPr/>
         </p:nvSpPr>
         <p:spPr>
           <a:xfrm>
-            <a:off x="6947647" y="2613041"/>
-            <a:ext cx="4697506" cy="2246769"/>
-          </a:xfrm>
-          <a:prstGeom prst="rect">
-            <a:avLst/>
-          </a:prstGeom>
-        </p:spPr>
-        <p:txBody>
-          <a:bodyPr wrap="square">
+            <a:off x="757096" y="4408866"/>
+            <a:ext cx="1428596" cy="369332"/>
+          </a:xfrm>
+          <a:prstGeom prst="rect">
+            <a:avLst/>
+          </a:prstGeom>
+          <a:noFill/>
+        </p:spPr>
+        <p:txBody>
+          <a:bodyPr wrap="none" rtlCol="0">
             <a:spAutoFit/>
           </a:bodyPr>
           <a:lstStyle/>
           <a:p>
             <a:r>
-              <a:rPr lang="en-US" sz="1400" b="1" i="1" dirty="0">
-                <a:solidFill>
-                  <a:srgbClr val="333333"/>
-                </a:solidFill>
-                <a:latin typeface="Helvetica Neue"/>
-              </a:rPr>
-              <a:t>Binary </a:t>
-            </a:r>
-            <a:r>
-              <a:rPr lang="en-US" sz="1400" dirty="0">
-                <a:solidFill>
-                  <a:srgbClr val="333333"/>
-                </a:solidFill>
-                <a:latin typeface="Helvetica Neue"/>
-              </a:rPr>
-              <a:t>data place things in one of two mutually exclusive categories: right/wrong, true/false, or accept/reject. </a:t>
-            </a:r>
-            <a:endParaRPr lang="en-US" sz="1400" dirty="0" smtClean="0">
-              <a:solidFill>
-                <a:srgbClr val="333333"/>
-              </a:solidFill>
-              <a:latin typeface="Helvetica Neue"/>
-            </a:endParaRPr>
-          </a:p>
-          <a:p>
-            <a:endParaRPr lang="en-US" sz="1400" dirty="0" smtClean="0">
-              <a:solidFill>
-                <a:srgbClr val="333333"/>
-              </a:solidFill>
-              <a:latin typeface="Helvetica Neue"/>
-            </a:endParaRPr>
-          </a:p>
-          <a:p>
-            <a:r>
-              <a:rPr lang="en-US" sz="1400" b="1" i="1" dirty="0" smtClean="0"/>
-              <a:t>Unordered</a:t>
-            </a:r>
-            <a:r>
-              <a:rPr lang="en-US" sz="1400" b="1" i="1" dirty="0"/>
-              <a:t> </a:t>
-            </a:r>
-            <a:r>
-              <a:rPr lang="en-US" sz="1400" dirty="0"/>
-              <a:t>or </a:t>
-            </a:r>
-            <a:r>
-              <a:rPr lang="en-US" sz="1400" b="1" i="1" dirty="0" smtClean="0"/>
-              <a:t>Nominal</a:t>
-            </a:r>
-            <a:r>
-              <a:rPr lang="en-US" sz="1400" b="1" i="1" dirty="0"/>
-              <a:t> </a:t>
-            </a:r>
-            <a:r>
-              <a:rPr lang="en-US" sz="1400" dirty="0"/>
-              <a:t>data, we assign individual items to named categories that do not have an implicit or natural value or rank</a:t>
-            </a:r>
-            <a:endParaRPr lang="en-US" sz="1400" dirty="0">
-              <a:solidFill>
-                <a:srgbClr val="333333"/>
-              </a:solidFill>
-              <a:latin typeface="Helvetica Neue"/>
-            </a:endParaRPr>
-          </a:p>
-          <a:p>
-            <a:endParaRPr lang="en-US" sz="1400" b="1" i="1" dirty="0" smtClean="0"/>
-          </a:p>
-          <a:p>
-            <a:r>
-              <a:rPr lang="en-US" sz="1400" b="1" i="1" dirty="0" smtClean="0"/>
-              <a:t>Ordered or Ordinal</a:t>
-            </a:r>
-            <a:r>
-              <a:rPr lang="en-US" sz="1400" b="1" i="1" dirty="0"/>
-              <a:t> </a:t>
-            </a:r>
-            <a:r>
-              <a:rPr lang="en-US" sz="1400" dirty="0"/>
-              <a:t>data, in which items are assigned to categories that do have some kind of implicit or natural order, such as "Short, Medium, or Tall."  </a:t>
-            </a:r>
-          </a:p>
-        </p:txBody>
-      </p:sp>
-      <p:cxnSp>
-        <p:nvCxnSpPr>
-          <p:cNvPr id="13" name="Straight Connector 12"/>
-          <p:cNvCxnSpPr/>
-          <p:nvPr/>
-        </p:nvCxnSpPr>
-        <p:spPr>
-          <a:xfrm>
-            <a:off x="6024283" y="1411941"/>
-            <a:ext cx="40341" cy="4034118"/>
-          </a:xfrm>
-          <a:prstGeom prst="line">
-            <a:avLst/>
-          </a:prstGeom>
-        </p:spPr>
-        <p:style>
-          <a:lnRef idx="1">
-            <a:schemeClr val="accent1"/>
-          </a:lnRef>
-          <a:fillRef idx="0">
-            <a:schemeClr val="accent1"/>
-          </a:fillRef>
-          <a:effectRef idx="0">
-            <a:schemeClr val="accent1"/>
-          </a:effectRef>
-          <a:fontRef idx="minor">
-            <a:schemeClr val="tx1"/>
-          </a:fontRef>
-        </p:style>
-      </p:cxnSp>
-      <p:sp>
-        <p:nvSpPr>
-          <p:cNvPr id="14" name="TextBox 13"/>
-          <p:cNvSpPr txBox="1"/>
-          <p:nvPr/>
-        </p:nvSpPr>
-        <p:spPr>
-          <a:xfrm>
-            <a:off x="591671" y="5701553"/>
-            <a:ext cx="11379935" cy="523220"/>
-          </a:xfrm>
-          <a:prstGeom prst="rect">
-            <a:avLst/>
-          </a:prstGeom>
-          <a:noFill/>
-        </p:spPr>
-        <p:txBody>
-          <a:bodyPr wrap="square" rtlCol="0">
-            <a:spAutoFit/>
-          </a:bodyPr>
-          <a:lstStyle/>
-          <a:p>
-            <a:r>
-              <a:rPr lang="en-US" sz="1400" b="1" i="1" dirty="0"/>
-              <a:t>Big </a:t>
-            </a:r>
-            <a:r>
-              <a:rPr lang="en-US" sz="1400" b="1" i="1" dirty="0" smtClean="0"/>
-              <a:t>Data </a:t>
-            </a:r>
-            <a:r>
-              <a:rPr lang="en-US" sz="1400" dirty="0"/>
-              <a:t>is a field that treats ways to analyze, systematically extract information from, or otherwise deal with data sets that are too large or complex to be dealt with by traditional data-processing application software</a:t>
-            </a:r>
+              <a:rPr lang="en-US" dirty="0" smtClean="0"/>
+              <a:t>Analysis on </a:t>
+            </a:r>
+            <a:endParaRPr lang="en-US" dirty="0"/>
           </a:p>
         </p:txBody>
       </p:sp>
     </p:spTree>
     <p:extLst>
       <p:ext uri="{BB962C8B-B14F-4D97-AF65-F5344CB8AC3E}">
-        <p14:creationId xmlns:p14="http://schemas.microsoft.com/office/powerpoint/2010/main" val="244187785"/>
+        <p14:creationId xmlns:p14="http://schemas.microsoft.com/office/powerpoint/2010/main" val="3418753939"/>
       </p:ext>
     </p:extLst>
   </p:cSld>
   <p:clrMapOvr>
     <a:masterClrMapping/>
   </p:clrMapOvr>
-  <p:timing>
-    <p:tnLst>
-      <p:par>
-        <p:cTn id="1" dur="indefinite" restart="never" nodeType="tmRoot"/>
-      </p:par>
-    </p:tnLst>
-  </p:timing>
 </p:sld>
 </file>
 
@@ -5407,6 +4858,29 @@
       </p:grpSpPr>
       <p:sp>
         <p:nvSpPr>
+          <p:cNvPr id="2" name="Title 1"/>
+          <p:cNvSpPr>
+            <a:spLocks noGrp="1"/>
+          </p:cNvSpPr>
+          <p:nvPr>
+            <p:ph type="title"/>
+          </p:nvPr>
+        </p:nvSpPr>
+        <p:spPr/>
+        <p:txBody>
+          <a:bodyPr/>
+          <a:lstStyle/>
+          <a:p>
+            <a:r>
+              <a:rPr lang="en-US" dirty="0" smtClean="0"/>
+              <a:t>Script Provided</a:t>
+            </a:r>
+            <a:endParaRPr lang="en-US" dirty="0"/>
+          </a:p>
+        </p:txBody>
+      </p:sp>
+      <p:sp>
+        <p:nvSpPr>
           <p:cNvPr id="3" name="Footer Placeholder 2"/>
           <p:cNvSpPr>
             <a:spLocks noGrp="1"/>
@@ -5457,91 +4931,14 @@
       </p:sp>
       <p:sp>
         <p:nvSpPr>
-          <p:cNvPr id="5" name="Content Placeholder 4"/>
-          <p:cNvSpPr>
-            <a:spLocks noGrp="1"/>
-          </p:cNvSpPr>
-          <p:nvPr>
-            <p:ph idx="1"/>
-          </p:nvPr>
-        </p:nvSpPr>
-        <p:spPr>
-          <a:xfrm>
-            <a:off x="1425388" y="1385047"/>
-            <a:ext cx="9325286" cy="1021977"/>
-          </a:xfrm>
-        </p:spPr>
-        <p:txBody>
-          <a:bodyPr/>
-          <a:lstStyle/>
-          <a:p>
-            <a:pPr marL="0" indent="0" algn="ctr">
-              <a:buNone/>
-            </a:pPr>
-            <a:r>
-              <a:rPr lang="en-US" b="1"/>
-              <a:t>Data </a:t>
-            </a:r>
-            <a:r>
-              <a:rPr lang="en-US" b="1" smtClean="0"/>
-              <a:t>analytics </a:t>
-            </a:r>
-            <a:r>
-              <a:rPr lang="en-US" dirty="0"/>
-              <a:t>is a process of inspecting, cleansing, transforming and modeling data with the goal of discovering useful information, informing conclusions and supporting </a:t>
-            </a:r>
-            <a:r>
-              <a:rPr lang="en-US" dirty="0" smtClean="0"/>
-              <a:t>decision-making.</a:t>
-            </a:r>
-            <a:endParaRPr lang="en-US" dirty="0"/>
-          </a:p>
-        </p:txBody>
-      </p:sp>
-      <p:sp>
-        <p:nvSpPr>
-          <p:cNvPr id="6" name="Title 1"/>
-          <p:cNvSpPr>
-            <a:spLocks noGrp="1"/>
-          </p:cNvSpPr>
-          <p:nvPr>
-            <p:ph type="title"/>
-          </p:nvPr>
-        </p:nvSpPr>
-        <p:spPr>
-          <a:xfrm>
-            <a:off x="347133" y="69027"/>
-            <a:ext cx="9349318" cy="720000"/>
-          </a:xfrm>
-        </p:spPr>
-        <p:txBody>
-          <a:bodyPr>
-            <a:normAutofit/>
-          </a:bodyPr>
-          <a:lstStyle/>
-          <a:p>
-            <a:r>
-              <a:rPr lang="en-US" sz="3600" dirty="0" smtClean="0"/>
-              <a:t>What is </a:t>
-            </a:r>
-            <a:r>
-              <a:rPr lang="en-US" sz="3600" dirty="0" smtClean="0"/>
-              <a:t>Data Analytics?</a:t>
-            </a:r>
-            <a:endParaRPr lang="en-US" sz="3600" dirty="0"/>
-          </a:p>
-        </p:txBody>
-      </p:sp>
-      <p:sp>
-        <p:nvSpPr>
-          <p:cNvPr id="7" name="TextBox 6"/>
+          <p:cNvPr id="6" name="TextBox 5"/>
           <p:cNvSpPr txBox="1"/>
           <p:nvPr/>
         </p:nvSpPr>
         <p:spPr>
           <a:xfrm>
-            <a:off x="685800" y="3031301"/>
-            <a:ext cx="10867077" cy="2031325"/>
+            <a:off x="564778" y="1303525"/>
+            <a:ext cx="5190267" cy="1754326"/>
           </a:xfrm>
           <a:prstGeom prst="rect">
             <a:avLst/>
@@ -5555,150 +4952,82 @@
           <a:lstStyle/>
           <a:p>
             <a:r>
-              <a:rPr lang="en-US" b="1" dirty="0" smtClean="0">
-                <a:solidFill>
-                  <a:srgbClr val="FF0000"/>
-                </a:solidFill>
-              </a:rPr>
-              <a:t>Data Collection  -&gt; </a:t>
-            </a:r>
+              <a:rPr lang="en-US" dirty="0" smtClean="0"/>
+              <a:t>Python Script to extract </a:t>
+            </a:r>
+          </a:p>
+          <a:p>
+            <a:endParaRPr lang="en-US" dirty="0"/>
           </a:p>
           <a:p>
             <a:r>
               <a:rPr lang="en-US" b="1" dirty="0"/>
-              <a:t>	</a:t>
+              <a:t>Status Of Active Containment Zones In </a:t>
             </a:r>
             <a:r>
               <a:rPr lang="en-US" b="1" dirty="0" smtClean="0"/>
-              <a:t>	</a:t>
-            </a:r>
-            <a:r>
-              <a:rPr lang="en-US" b="1" dirty="0" smtClean="0">
-                <a:solidFill>
-                  <a:srgbClr val="FFC000"/>
-                </a:solidFill>
-              </a:rPr>
-              <a:t>Data Pre-Processing -&gt; </a:t>
-            </a:r>
-          </a:p>
-          <a:p>
-            <a:r>
-              <a:rPr lang="en-US" b="1" dirty="0">
-                <a:solidFill>
-                  <a:srgbClr val="FFC000"/>
-                </a:solidFill>
-              </a:rPr>
-              <a:t>	</a:t>
-            </a:r>
-            <a:r>
-              <a:rPr lang="en-US" b="1" dirty="0" smtClean="0">
-                <a:solidFill>
-                  <a:srgbClr val="FFC000"/>
-                </a:solidFill>
-              </a:rPr>
-              <a:t>			Data Transformation -&gt; </a:t>
-            </a:r>
-          </a:p>
-          <a:p>
-            <a:r>
-              <a:rPr lang="en-US" b="1" dirty="0"/>
-              <a:t>	</a:t>
+              <a:t>BBMP</a:t>
+            </a:r>
+          </a:p>
+          <a:p>
+            <a:endParaRPr lang="en-US" b="1" dirty="0"/>
+          </a:p>
+          <a:p>
+            <a:r>
+              <a:rPr lang="en-US" dirty="0" smtClean="0"/>
+              <a:t>to a</a:t>
             </a:r>
             <a:r>
               <a:rPr lang="en-US" b="1" dirty="0" smtClean="0"/>
-              <a:t>					</a:t>
-            </a:r>
-            <a:r>
-              <a:rPr lang="en-US" b="1" dirty="0" smtClean="0">
-                <a:solidFill>
-                  <a:srgbClr val="00B050"/>
-                </a:solidFill>
-              </a:rPr>
-              <a:t>Data Modelling -&gt; </a:t>
-            </a:r>
-          </a:p>
-          <a:p>
-            <a:r>
-              <a:rPr lang="en-US" b="1" dirty="0">
-                <a:solidFill>
-                  <a:srgbClr val="00B050"/>
-                </a:solidFill>
-              </a:rPr>
-              <a:t>	</a:t>
-            </a:r>
-            <a:r>
-              <a:rPr lang="en-US" b="1" dirty="0" smtClean="0">
-                <a:solidFill>
-                  <a:srgbClr val="00B050"/>
-                </a:solidFill>
-              </a:rPr>
-              <a:t>							Data Visualization -&gt;</a:t>
-            </a:r>
-          </a:p>
-          <a:p>
-            <a:r>
-              <a:rPr lang="en-US" b="1" dirty="0">
-                <a:solidFill>
-                  <a:srgbClr val="00B050"/>
-                </a:solidFill>
-              </a:rPr>
-              <a:t>	</a:t>
-            </a:r>
-            <a:r>
-              <a:rPr lang="en-US" b="1" dirty="0" smtClean="0">
-                <a:solidFill>
-                  <a:srgbClr val="00B050"/>
-                </a:solidFill>
-              </a:rPr>
-              <a:t>			</a:t>
-            </a:r>
-            <a:r>
-              <a:rPr lang="en-US" b="1" dirty="0">
-                <a:solidFill>
-                  <a:srgbClr val="00B050"/>
-                </a:solidFill>
-              </a:rPr>
-              <a:t>	</a:t>
-            </a:r>
-            <a:r>
-              <a:rPr lang="en-US" b="1" dirty="0" smtClean="0">
-                <a:solidFill>
-                  <a:srgbClr val="00B050"/>
-                </a:solidFill>
-              </a:rPr>
-              <a:t>					Data Insights</a:t>
-            </a:r>
-          </a:p>
-          <a:p>
-            <a:r>
-              <a:rPr lang="en-US" b="1" dirty="0"/>
-              <a:t>	</a:t>
-            </a:r>
-            <a:r>
-              <a:rPr lang="en-US" b="1" dirty="0" smtClean="0"/>
-              <a:t>								</a:t>
-            </a:r>
-            <a:endParaRPr lang="en-US" b="1" dirty="0"/>
-          </a:p>
-        </p:txBody>
-      </p:sp>
+              <a:t> CSV file </a:t>
+            </a:r>
+            <a:r>
+              <a:rPr lang="en-US" dirty="0" smtClean="0"/>
+              <a:t>for analysis </a:t>
+            </a:r>
+          </a:p>
+          <a:p>
+            <a:r>
+              <a:rPr lang="en-US" dirty="0" smtClean="0"/>
+              <a:t>including the pdf2text converted</a:t>
+            </a:r>
+            <a:endParaRPr lang="en-US" dirty="0"/>
+          </a:p>
+        </p:txBody>
+      </p:sp>
+      <p:pic>
+        <p:nvPicPr>
+          <p:cNvPr id="7" name="Picture 6"/>
+          <p:cNvPicPr>
+            <a:picLocks noChangeAspect="1"/>
+          </p:cNvPicPr>
+          <p:nvPr/>
+        </p:nvPicPr>
+        <p:blipFill rotWithShape="1">
+          <a:blip r:embed="rId2"/>
+          <a:srcRect r="35140"/>
+          <a:stretch/>
+        </p:blipFill>
+        <p:spPr>
+          <a:xfrm>
+            <a:off x="6198797" y="1090716"/>
+            <a:ext cx="5343915" cy="5057775"/>
+          </a:xfrm>
+          <a:prstGeom prst="rect">
+            <a:avLst/>
+          </a:prstGeom>
+        </p:spPr>
+      </p:pic>
     </p:spTree>
     <p:extLst>
       <p:ext uri="{BB962C8B-B14F-4D97-AF65-F5344CB8AC3E}">
-        <p14:creationId xmlns:p14="http://schemas.microsoft.com/office/powerpoint/2010/main" val="1974694726"/>
+        <p14:creationId xmlns:p14="http://schemas.microsoft.com/office/powerpoint/2010/main" val="1339228210"/>
       </p:ext>
     </p:extLst>
   </p:cSld>
   <p:clrMapOvr>
     <a:masterClrMapping/>
   </p:clrMapOvr>
-  <p:timing>
-    <p:tnLst>
-      <p:par>
-        <p:cTn id="1" dur="indefinite" restart="never" nodeType="tmRoot"/>
-      </p:par>
-    </p:tnLst>
-  </p:timing>
 </p:sld>
 </file>
 
@@ -5726,344 +5055,92 @@
             <a:spLocks noGrp="1"/>
           </p:cNvSpPr>
           <p:nvPr>
-            <p:ph type="title"/>
-          </p:nvPr>
-        </p:nvSpPr>
-        <p:spPr/>
+            <p:ph type="title" idx="4294967295"/>
+          </p:nvPr>
+        </p:nvSpPr>
+        <p:spPr>
+          <a:xfrm>
+            <a:off x="1371600" y="1549694"/>
+            <a:ext cx="4961965" cy="1625879"/>
+          </a:xfrm>
+          <a:prstGeom prst="rect">
+            <a:avLst/>
+          </a:prstGeom>
+        </p:spPr>
         <p:txBody>
           <a:bodyPr/>
           <a:lstStyle/>
           <a:p>
-            <a:r>
-              <a:rPr lang="en-US" dirty="0" smtClean="0"/>
-              <a:t>Sessions 2 – Programming and Non Programming ML</a:t>
-            </a:r>
-            <a:endParaRPr lang="en-US" dirty="0"/>
-          </a:p>
-        </p:txBody>
-      </p:sp>
-      <p:sp>
-        <p:nvSpPr>
-          <p:cNvPr id="3" name="Footer Placeholder 2"/>
-          <p:cNvSpPr>
-            <a:spLocks noGrp="1"/>
-          </p:cNvSpPr>
-          <p:nvPr>
-            <p:ph type="ftr" sz="quarter" idx="11"/>
-          </p:nvPr>
-        </p:nvSpPr>
-        <p:spPr/>
-        <p:txBody>
-          <a:bodyPr/>
-          <a:lstStyle/>
-          <a:p>
             <a:pPr>
-              <a:defRPr/>
+              <a:lnSpc>
+                <a:spcPct val="150000"/>
+              </a:lnSpc>
+              <a:tabLst>
+                <a:tab pos="6184900" algn="l"/>
+              </a:tabLst>
             </a:pPr>
             <a:r>
-              <a:rPr lang="en-IN" smtClean="0"/>
-              <a:t>AXISCADES proprietary and confidential data</a:t>
-            </a:r>
-            <a:endParaRPr lang="en-IN"/>
-          </a:p>
-        </p:txBody>
-      </p:sp>
-      <p:sp>
-        <p:nvSpPr>
-          <p:cNvPr id="4" name="Slide Number Placeholder 3"/>
-          <p:cNvSpPr>
-            <a:spLocks noGrp="1"/>
-          </p:cNvSpPr>
-          <p:nvPr>
-            <p:ph type="sldNum" sz="quarter" idx="12"/>
-          </p:nvPr>
-        </p:nvSpPr>
-        <p:spPr/>
-        <p:txBody>
-          <a:bodyPr/>
-          <a:lstStyle/>
-          <a:p>
-            <a:fld id="{942AA6F4-5089-4C5D-8D3D-EC51493F3F3F}" type="slidenum">
-              <a:rPr lang="en-IN" smtClean="0"/>
-              <a:pPr/>
-              <a:t>5</a:t>
-            </a:fld>
-            <a:endParaRPr lang="en-IN" dirty="0"/>
-          </a:p>
-        </p:txBody>
-      </p:sp>
-      <p:pic>
-        <p:nvPicPr>
-          <p:cNvPr id="6" name="Picture 2" descr="The Python Logo | Python Software Foundation"/>
-          <p:cNvPicPr>
-            <a:picLocks noChangeAspect="1" noChangeArrowheads="1"/>
-          </p:cNvPicPr>
-          <p:nvPr/>
-        </p:nvPicPr>
-        <p:blipFill>
-          <a:blip r:embed="rId2">
-            <a:extLst>
-              <a:ext uri="{28A0092B-C50C-407E-A947-70E740481C1C}">
-                <a14:useLocalDpi xmlns:a14="http://schemas.microsoft.com/office/drawing/2010/main" val="0"/>
-              </a:ext>
-            </a:extLst>
-          </a:blip>
-          <a:srcRect/>
-          <a:stretch>
-            <a:fillRect/>
-          </a:stretch>
-        </p:blipFill>
-        <p:spPr bwMode="auto">
-          <a:xfrm>
-            <a:off x="841799" y="2152827"/>
-            <a:ext cx="3767143" cy="1272430"/>
-          </a:xfrm>
-          <a:prstGeom prst="rect">
-            <a:avLst/>
-          </a:prstGeom>
-          <a:noFill/>
-          <a:extLst>
-            <a:ext uri="{909E8E84-426E-40DD-AFC4-6F175D3DCCD1}">
-              <a14:hiddenFill xmlns:a14="http://schemas.microsoft.com/office/drawing/2010/main">
+              <a:rPr lang="en-IN" sz="3600" b="1" dirty="0" smtClean="0">
                 <a:solidFill>
-                  <a:srgbClr val="FFFFFF"/>
+                  <a:schemeClr val="bg1"/>
                 </a:solidFill>
-              </a14:hiddenFill>
-            </a:ext>
-          </a:extLst>
-        </p:spPr>
-      </p:pic>
-      <p:pic>
-        <p:nvPicPr>
-          <p:cNvPr id="7" name="Picture 4" descr="R: R Logo"/>
-          <p:cNvPicPr>
-            <a:picLocks noChangeAspect="1" noChangeArrowheads="1"/>
-          </p:cNvPicPr>
-          <p:nvPr/>
-        </p:nvPicPr>
-        <p:blipFill>
-          <a:blip r:embed="rId3" cstate="print">
-            <a:extLst>
-              <a:ext uri="{28A0092B-C50C-407E-A947-70E740481C1C}">
-                <a14:useLocalDpi xmlns:a14="http://schemas.microsoft.com/office/drawing/2010/main" val="0"/>
-              </a:ext>
-            </a:extLst>
-          </a:blip>
-          <a:srcRect/>
-          <a:stretch>
-            <a:fillRect/>
-          </a:stretch>
-        </p:blipFill>
-        <p:spPr bwMode="auto">
-          <a:xfrm>
-            <a:off x="2295150" y="3722270"/>
-            <a:ext cx="1308661" cy="1014032"/>
-          </a:xfrm>
-          <a:prstGeom prst="rect">
-            <a:avLst/>
-          </a:prstGeom>
-          <a:noFill/>
-          <a:extLst>
-            <a:ext uri="{909E8E84-426E-40DD-AFC4-6F175D3DCCD1}">
-              <a14:hiddenFill xmlns:a14="http://schemas.microsoft.com/office/drawing/2010/main">
+                <a:latin typeface="Calibri Light" panose="020F0302020204030204" pitchFamily="34" charset="0"/>
+                <a:cs typeface="Calibri Light" panose="020F0302020204030204" pitchFamily="34" charset="0"/>
+              </a:rPr>
+              <a:t>THANK YOU</a:t>
+            </a:r>
+            <a:br>
+              <a:rPr lang="en-IN" sz="3600" b="1" dirty="0" smtClean="0">
                 <a:solidFill>
-                  <a:srgbClr val="FFFFFF"/>
+                  <a:schemeClr val="bg1"/>
                 </a:solidFill>
-              </a14:hiddenFill>
-            </a:ext>
-          </a:extLst>
-        </p:spPr>
-      </p:pic>
-      <p:pic>
-        <p:nvPicPr>
-          <p:cNvPr id="8" name="Picture 8" descr="KNIME | LinkedIn"/>
-          <p:cNvPicPr>
-            <a:picLocks noChangeAspect="1" noChangeArrowheads="1"/>
-          </p:cNvPicPr>
-          <p:nvPr/>
-        </p:nvPicPr>
-        <p:blipFill>
-          <a:blip r:embed="rId4">
-            <a:extLst>
-              <a:ext uri="{28A0092B-C50C-407E-A947-70E740481C1C}">
-                <a14:useLocalDpi xmlns:a14="http://schemas.microsoft.com/office/drawing/2010/main" val="0"/>
-              </a:ext>
-            </a:extLst>
-          </a:blip>
-          <a:srcRect/>
-          <a:stretch>
-            <a:fillRect/>
-          </a:stretch>
-        </p:blipFill>
-        <p:spPr bwMode="auto">
-          <a:xfrm>
-            <a:off x="7653968" y="1403586"/>
-            <a:ext cx="2399366" cy="2399366"/>
-          </a:xfrm>
-          <a:prstGeom prst="rect">
-            <a:avLst/>
-          </a:prstGeom>
-          <a:noFill/>
-          <a:extLst>
-            <a:ext uri="{909E8E84-426E-40DD-AFC4-6F175D3DCCD1}">
-              <a14:hiddenFill xmlns:a14="http://schemas.microsoft.com/office/drawing/2010/main">
+                <a:latin typeface="Calibri Light" panose="020F0302020204030204" pitchFamily="34" charset="0"/>
+                <a:cs typeface="Calibri Light" panose="020F0302020204030204" pitchFamily="34" charset="0"/>
+              </a:rPr>
+            </a:br>
+            <a:r>
+              <a:rPr lang="en-IN" sz="3600" b="1" dirty="0" smtClean="0">
                 <a:solidFill>
-                  <a:srgbClr val="FFFFFF"/>
+                  <a:schemeClr val="bg1"/>
                 </a:solidFill>
-              </a14:hiddenFill>
-            </a:ext>
-          </a:extLst>
-        </p:spPr>
-      </p:pic>
-      <p:pic>
-        <p:nvPicPr>
-          <p:cNvPr id="9" name="Picture 10" descr="Orange (software) - Wikipedia"/>
-          <p:cNvPicPr>
-            <a:picLocks noChangeAspect="1" noChangeArrowheads="1"/>
-          </p:cNvPicPr>
-          <p:nvPr/>
-        </p:nvPicPr>
-        <p:blipFill>
-          <a:blip r:embed="rId5">
-            <a:extLst>
-              <a:ext uri="{28A0092B-C50C-407E-A947-70E740481C1C}">
-                <a14:useLocalDpi xmlns:a14="http://schemas.microsoft.com/office/drawing/2010/main" val="0"/>
-              </a:ext>
-            </a:extLst>
-          </a:blip>
-          <a:srcRect/>
-          <a:stretch>
-            <a:fillRect/>
-          </a:stretch>
-        </p:blipFill>
-        <p:spPr bwMode="auto">
-          <a:xfrm>
-            <a:off x="8047299" y="4005021"/>
-            <a:ext cx="1905000" cy="1181101"/>
-          </a:xfrm>
-          <a:prstGeom prst="rect">
-            <a:avLst/>
-          </a:prstGeom>
-          <a:noFill/>
-          <a:extLst>
-            <a:ext uri="{909E8E84-426E-40DD-AFC4-6F175D3DCCD1}">
-              <a14:hiddenFill xmlns:a14="http://schemas.microsoft.com/office/drawing/2010/main">
+                <a:latin typeface="Calibri Light" panose="020F0302020204030204" pitchFamily="34" charset="0"/>
+                <a:cs typeface="Calibri Light" panose="020F0302020204030204" pitchFamily="34" charset="0"/>
+              </a:rPr>
+              <a:t/>
+            </a:r>
+            <a:br>
+              <a:rPr lang="en-IN" sz="3600" b="1" dirty="0" smtClean="0">
                 <a:solidFill>
-                  <a:srgbClr val="FFFFFF"/>
+                  <a:schemeClr val="bg1"/>
                 </a:solidFill>
-              </a14:hiddenFill>
-            </a:ext>
-          </a:extLst>
-        </p:spPr>
-      </p:pic>
-      <p:sp>
-        <p:nvSpPr>
-          <p:cNvPr id="10" name="TextBox 9"/>
-          <p:cNvSpPr txBox="1"/>
-          <p:nvPr/>
-        </p:nvSpPr>
-        <p:spPr>
-          <a:xfrm>
-            <a:off x="1658573" y="1322904"/>
-            <a:ext cx="2646878" cy="369332"/>
-          </a:xfrm>
-          <a:prstGeom prst="rect">
-            <a:avLst/>
-          </a:prstGeom>
-          <a:noFill/>
-        </p:spPr>
-        <p:txBody>
-          <a:bodyPr wrap="none" rtlCol="0">
-            <a:spAutoFit/>
-          </a:bodyPr>
-          <a:lstStyle/>
-          <a:p>
-            <a:r>
-              <a:rPr lang="en-US" dirty="0" smtClean="0"/>
-              <a:t>Programming based ML</a:t>
-            </a:r>
-            <a:endParaRPr lang="en-US" dirty="0"/>
-          </a:p>
-        </p:txBody>
-      </p:sp>
-      <p:sp>
-        <p:nvSpPr>
-          <p:cNvPr id="11" name="TextBox 10"/>
-          <p:cNvSpPr txBox="1"/>
-          <p:nvPr/>
-        </p:nvSpPr>
-        <p:spPr>
-          <a:xfrm>
-            <a:off x="7530212" y="1323024"/>
-            <a:ext cx="3134191" cy="369332"/>
-          </a:xfrm>
-          <a:prstGeom prst="rect">
-            <a:avLst/>
-          </a:prstGeom>
-          <a:noFill/>
-        </p:spPr>
-        <p:txBody>
-          <a:bodyPr wrap="none" rtlCol="0">
-            <a:spAutoFit/>
-          </a:bodyPr>
-          <a:lstStyle/>
-          <a:p>
-            <a:r>
-              <a:rPr lang="en-US" dirty="0" smtClean="0"/>
-              <a:t>Non Programming based ML</a:t>
-            </a:r>
-            <a:endParaRPr lang="en-US" dirty="0"/>
-          </a:p>
-        </p:txBody>
-      </p:sp>
-      <p:sp>
-        <p:nvSpPr>
-          <p:cNvPr id="12" name="Rectangle 11"/>
-          <p:cNvSpPr/>
-          <p:nvPr/>
-        </p:nvSpPr>
-        <p:spPr>
-          <a:xfrm>
-            <a:off x="712694" y="1990165"/>
-            <a:ext cx="10515600" cy="1421645"/>
-          </a:xfrm>
-          <a:prstGeom prst="rect">
-            <a:avLst/>
-          </a:prstGeom>
-          <a:noFill/>
-          <a:ln w="19050">
-            <a:prstDash val="dash"/>
-          </a:ln>
-        </p:spPr>
-        <p:style>
-          <a:lnRef idx="2">
-            <a:schemeClr val="accent1">
-              <a:shade val="50000"/>
-            </a:schemeClr>
-          </a:lnRef>
-          <a:fillRef idx="1">
-            <a:schemeClr val="accent1"/>
-          </a:fillRef>
-          <a:effectRef idx="0">
-            <a:schemeClr val="accent1"/>
-          </a:effectRef>
-          <a:fontRef idx="minor">
-            <a:schemeClr val="lt1"/>
-          </a:fontRef>
-        </p:style>
-        <p:txBody>
-          <a:bodyPr rtlCol="0" anchor="ctr"/>
-          <a:lstStyle/>
-          <a:p>
-            <a:pPr algn="ctr"/>
-            <a:endParaRPr lang="en-US"/>
+                <a:latin typeface="Calibri Light" panose="020F0302020204030204" pitchFamily="34" charset="0"/>
+                <a:cs typeface="Calibri Light" panose="020F0302020204030204" pitchFamily="34" charset="0"/>
+              </a:rPr>
+            </a:br>
+            <a:r>
+              <a:rPr lang="en-IN" sz="2800" b="1" i="1" dirty="0" smtClean="0">
+                <a:solidFill>
+                  <a:schemeClr val="bg2"/>
+                </a:solidFill>
+                <a:latin typeface="Calibri Light" panose="020F0302020204030204" pitchFamily="34" charset="0"/>
+                <a:cs typeface="Calibri Light" panose="020F0302020204030204" pitchFamily="34" charset="0"/>
+              </a:rPr>
+              <a:t>sudeep.dsouza@axiscades.com</a:t>
+            </a:r>
+            <a:endParaRPr lang="en-IN" sz="3600" b="1" i="1" dirty="0">
+              <a:solidFill>
+                <a:schemeClr val="bg2"/>
+              </a:solidFill>
+              <a:latin typeface="Calibri Light" panose="020F0302020204030204" pitchFamily="34" charset="0"/>
+              <a:cs typeface="Calibri Light" panose="020F0302020204030204" pitchFamily="34" charset="0"/>
+            </a:endParaRPr>
           </a:p>
         </p:txBody>
       </p:sp>
     </p:spTree>
     <p:extLst>
       <p:ext uri="{BB962C8B-B14F-4D97-AF65-F5344CB8AC3E}">
-        <p14:creationId xmlns:p14="http://schemas.microsoft.com/office/powerpoint/2010/main" val="2330167983"/>
+        <p14:creationId xmlns:p14="http://schemas.microsoft.com/office/powerpoint/2010/main" val="1028712994"/>
       </p:ext>
     </p:extLst>
   </p:cSld>
@@ -6077,647 +5154,6 @@
       </p:par>
     </p:tnLst>
   </p:timing>
-</p:sld>
-</file>
-
-<file path=ppt/slides/slide6.xml><?xml version="1.0" encoding="utf-8"?>
-<p:sld xmlns:a="http://schemas.openxmlformats.org/drawingml/2006/main" xmlns:r="http://schemas.openxmlformats.org/officeDocument/2006/relationships" xmlns:p="http://schemas.openxmlformats.org/presentationml/2006/main">
-  <p:cSld>
-    <p:spTree>
-      <p:nvGrpSpPr>
-        <p:cNvPr id="1" name=""/>
-        <p:cNvGrpSpPr/>
-        <p:nvPr/>
-      </p:nvGrpSpPr>
-      <p:grpSpPr>
-        <a:xfrm>
-          <a:off x="0" y="0"/>
-          <a:ext cx="0" cy="0"/>
-          <a:chOff x="0" y="0"/>
-          <a:chExt cx="0" cy="0"/>
-        </a:xfrm>
-      </p:grpSpPr>
-      <p:sp>
-        <p:nvSpPr>
-          <p:cNvPr id="2" name="Title 1"/>
-          <p:cNvSpPr>
-            <a:spLocks noGrp="1"/>
-          </p:cNvSpPr>
-          <p:nvPr>
-            <p:ph type="title"/>
-          </p:nvPr>
-        </p:nvSpPr>
-        <p:spPr/>
-        <p:txBody>
-          <a:bodyPr/>
-          <a:lstStyle/>
-          <a:p>
-            <a:r>
-              <a:rPr lang="en-US" dirty="0" smtClean="0"/>
-              <a:t>Session 3 – 7 : Machine Learning Algorithms and Application</a:t>
-            </a:r>
-            <a:endParaRPr lang="en-US" dirty="0"/>
-          </a:p>
-        </p:txBody>
-      </p:sp>
-      <p:sp>
-        <p:nvSpPr>
-          <p:cNvPr id="3" name="Footer Placeholder 2"/>
-          <p:cNvSpPr>
-            <a:spLocks noGrp="1"/>
-          </p:cNvSpPr>
-          <p:nvPr>
-            <p:ph type="ftr" sz="quarter" idx="11"/>
-          </p:nvPr>
-        </p:nvSpPr>
-        <p:spPr/>
-        <p:txBody>
-          <a:bodyPr/>
-          <a:lstStyle/>
-          <a:p>
-            <a:pPr>
-              <a:defRPr/>
-            </a:pPr>
-            <a:r>
-              <a:rPr lang="en-IN" smtClean="0"/>
-              <a:t>AXISCADES proprietary and confidential data</a:t>
-            </a:r>
-            <a:endParaRPr lang="en-IN"/>
-          </a:p>
-        </p:txBody>
-      </p:sp>
-      <p:sp>
-        <p:nvSpPr>
-          <p:cNvPr id="4" name="Slide Number Placeholder 3"/>
-          <p:cNvSpPr>
-            <a:spLocks noGrp="1"/>
-          </p:cNvSpPr>
-          <p:nvPr>
-            <p:ph type="sldNum" sz="quarter" idx="12"/>
-          </p:nvPr>
-        </p:nvSpPr>
-        <p:spPr/>
-        <p:txBody>
-          <a:bodyPr/>
-          <a:lstStyle/>
-          <a:p>
-            <a:fld id="{942AA6F4-5089-4C5D-8D3D-EC51493F3F3F}" type="slidenum">
-              <a:rPr lang="en-IN" smtClean="0"/>
-              <a:pPr/>
-              <a:t>6</a:t>
-            </a:fld>
-            <a:endParaRPr lang="en-IN" dirty="0"/>
-          </a:p>
-        </p:txBody>
-      </p:sp>
-      <p:sp>
-        <p:nvSpPr>
-          <p:cNvPr id="5" name="Content Placeholder 4"/>
-          <p:cNvSpPr>
-            <a:spLocks noGrp="1"/>
-          </p:cNvSpPr>
-          <p:nvPr>
-            <p:ph idx="1"/>
-          </p:nvPr>
-        </p:nvSpPr>
-        <p:spPr>
-          <a:xfrm>
-            <a:off x="938804" y="1456577"/>
-            <a:ext cx="5905749" cy="2120341"/>
-          </a:xfrm>
-        </p:spPr>
-        <p:txBody>
-          <a:bodyPr/>
-          <a:lstStyle/>
-          <a:p>
-            <a:r>
-              <a:rPr lang="en-US" dirty="0" smtClean="0"/>
-              <a:t>Session 3 – Regression</a:t>
-            </a:r>
-          </a:p>
-          <a:p>
-            <a:r>
-              <a:rPr lang="en-US" dirty="0" smtClean="0"/>
-              <a:t>Session 4 – Classifications</a:t>
-            </a:r>
-          </a:p>
-          <a:p>
-            <a:r>
-              <a:rPr lang="en-US" dirty="0" smtClean="0"/>
-              <a:t>Session 5 – Clustering</a:t>
-            </a:r>
-          </a:p>
-          <a:p>
-            <a:r>
-              <a:rPr lang="en-US" dirty="0" smtClean="0"/>
-              <a:t>Session 6 – SVM and Reinforcement Learning</a:t>
-            </a:r>
-          </a:p>
-          <a:p>
-            <a:r>
-              <a:rPr lang="en-US" dirty="0" smtClean="0"/>
-              <a:t>Session 7 – Dimensionality Reduction</a:t>
-            </a:r>
-          </a:p>
-        </p:txBody>
-      </p:sp>
-      <p:sp>
-        <p:nvSpPr>
-          <p:cNvPr id="6" name="TextBox 5"/>
-          <p:cNvSpPr txBox="1"/>
-          <p:nvPr/>
-        </p:nvSpPr>
-        <p:spPr>
-          <a:xfrm>
-            <a:off x="1321365" y="4141694"/>
-            <a:ext cx="8831164" cy="646331"/>
-          </a:xfrm>
-          <a:prstGeom prst="rect">
-            <a:avLst/>
-          </a:prstGeom>
-          <a:noFill/>
-        </p:spPr>
-        <p:txBody>
-          <a:bodyPr wrap="square" rtlCol="0">
-            <a:spAutoFit/>
-          </a:bodyPr>
-          <a:lstStyle/>
-          <a:p>
-            <a:r>
-              <a:rPr lang="en-US" dirty="0" smtClean="0"/>
-              <a:t>We will go through algorithms to be used to </a:t>
-            </a:r>
-            <a:r>
-              <a:rPr lang="en-US" dirty="0" err="1" smtClean="0"/>
-              <a:t>analyse</a:t>
-            </a:r>
-            <a:r>
-              <a:rPr lang="en-US" dirty="0" smtClean="0"/>
-              <a:t> data in each of these areas and implement them in Python and KNIME</a:t>
-            </a:r>
-            <a:endParaRPr lang="en-US" dirty="0"/>
-          </a:p>
-        </p:txBody>
-      </p:sp>
-    </p:spTree>
-    <p:extLst>
-      <p:ext uri="{BB962C8B-B14F-4D97-AF65-F5344CB8AC3E}">
-        <p14:creationId xmlns:p14="http://schemas.microsoft.com/office/powerpoint/2010/main" val="2269508817"/>
-      </p:ext>
-    </p:extLst>
-  </p:cSld>
-  <p:clrMapOvr>
-    <a:masterClrMapping/>
-  </p:clrMapOvr>
-</p:sld>
-</file>
-
-<file path=ppt/slides/slide7.xml><?xml version="1.0" encoding="utf-8"?>
-<p:sld xmlns:a="http://schemas.openxmlformats.org/drawingml/2006/main" xmlns:r="http://schemas.openxmlformats.org/officeDocument/2006/relationships" xmlns:p="http://schemas.openxmlformats.org/presentationml/2006/main">
-  <p:cSld>
-    <p:spTree>
-      <p:nvGrpSpPr>
-        <p:cNvPr id="1" name=""/>
-        <p:cNvGrpSpPr/>
-        <p:nvPr/>
-      </p:nvGrpSpPr>
-      <p:grpSpPr>
-        <a:xfrm>
-          <a:off x="0" y="0"/>
-          <a:ext cx="0" cy="0"/>
-          <a:chOff x="0" y="0"/>
-          <a:chExt cx="0" cy="0"/>
-        </a:xfrm>
-      </p:grpSpPr>
-      <p:sp>
-        <p:nvSpPr>
-          <p:cNvPr id="2" name="Title 1"/>
-          <p:cNvSpPr>
-            <a:spLocks noGrp="1"/>
-          </p:cNvSpPr>
-          <p:nvPr>
-            <p:ph type="title"/>
-          </p:nvPr>
-        </p:nvSpPr>
-        <p:spPr/>
-        <p:txBody>
-          <a:bodyPr/>
-          <a:lstStyle/>
-          <a:p>
-            <a:r>
-              <a:rPr lang="en-US" dirty="0" smtClean="0"/>
-              <a:t>Session 8, 9 – Introduction to Deep Learning</a:t>
-            </a:r>
-            <a:endParaRPr lang="en-US" dirty="0"/>
-          </a:p>
-        </p:txBody>
-      </p:sp>
-      <p:sp>
-        <p:nvSpPr>
-          <p:cNvPr id="3" name="Footer Placeholder 2"/>
-          <p:cNvSpPr>
-            <a:spLocks noGrp="1"/>
-          </p:cNvSpPr>
-          <p:nvPr>
-            <p:ph type="ftr" sz="quarter" idx="11"/>
-          </p:nvPr>
-        </p:nvSpPr>
-        <p:spPr/>
-        <p:txBody>
-          <a:bodyPr/>
-          <a:lstStyle/>
-          <a:p>
-            <a:pPr>
-              <a:defRPr/>
-            </a:pPr>
-            <a:r>
-              <a:rPr lang="en-IN" smtClean="0"/>
-              <a:t>AXISCADES proprietary and confidential data</a:t>
-            </a:r>
-            <a:endParaRPr lang="en-IN"/>
-          </a:p>
-        </p:txBody>
-      </p:sp>
-      <p:sp>
-        <p:nvSpPr>
-          <p:cNvPr id="4" name="Slide Number Placeholder 3"/>
-          <p:cNvSpPr>
-            <a:spLocks noGrp="1"/>
-          </p:cNvSpPr>
-          <p:nvPr>
-            <p:ph type="sldNum" sz="quarter" idx="12"/>
-          </p:nvPr>
-        </p:nvSpPr>
-        <p:spPr/>
-        <p:txBody>
-          <a:bodyPr/>
-          <a:lstStyle/>
-          <a:p>
-            <a:fld id="{942AA6F4-5089-4C5D-8D3D-EC51493F3F3F}" type="slidenum">
-              <a:rPr lang="en-IN" smtClean="0"/>
-              <a:pPr/>
-              <a:t>7</a:t>
-            </a:fld>
-            <a:endParaRPr lang="en-IN" dirty="0"/>
-          </a:p>
-        </p:txBody>
-      </p:sp>
-      <p:sp>
-        <p:nvSpPr>
-          <p:cNvPr id="5" name="Content Placeholder 4"/>
-          <p:cNvSpPr>
-            <a:spLocks noGrp="1"/>
-          </p:cNvSpPr>
-          <p:nvPr>
-            <p:ph idx="1"/>
-          </p:nvPr>
-        </p:nvSpPr>
-        <p:spPr>
-          <a:xfrm>
-            <a:off x="1277470" y="1600201"/>
-            <a:ext cx="7079627" cy="2955364"/>
-          </a:xfrm>
-        </p:spPr>
-        <p:txBody>
-          <a:bodyPr/>
-          <a:lstStyle/>
-          <a:p>
-            <a:r>
-              <a:rPr lang="en-US" dirty="0" smtClean="0"/>
-              <a:t>Building a Deep Neural Network</a:t>
-            </a:r>
-          </a:p>
-          <a:p>
-            <a:r>
-              <a:rPr lang="en-US" dirty="0" smtClean="0"/>
-              <a:t>Activation Functions</a:t>
-            </a:r>
-          </a:p>
-          <a:p>
-            <a:r>
-              <a:rPr lang="en-US" dirty="0" smtClean="0"/>
-              <a:t>Model Training</a:t>
-            </a:r>
-          </a:p>
-          <a:p>
-            <a:r>
-              <a:rPr lang="en-US" dirty="0" err="1" smtClean="0"/>
-              <a:t>Hyperparameter</a:t>
-            </a:r>
-            <a:r>
-              <a:rPr lang="en-US" dirty="0" smtClean="0"/>
-              <a:t> Tuning</a:t>
-            </a:r>
-          </a:p>
-          <a:p>
-            <a:endParaRPr lang="en-US" dirty="0"/>
-          </a:p>
-          <a:p>
-            <a:r>
-              <a:rPr lang="en-US" dirty="0" smtClean="0"/>
-              <a:t>Introduction to RNN’s</a:t>
-            </a:r>
-          </a:p>
-        </p:txBody>
-      </p:sp>
-    </p:spTree>
-    <p:extLst>
-      <p:ext uri="{BB962C8B-B14F-4D97-AF65-F5344CB8AC3E}">
-        <p14:creationId xmlns:p14="http://schemas.microsoft.com/office/powerpoint/2010/main" val="1760179141"/>
-      </p:ext>
-    </p:extLst>
-  </p:cSld>
-  <p:clrMapOvr>
-    <a:masterClrMapping/>
-  </p:clrMapOvr>
-</p:sld>
-</file>
-
-<file path=ppt/slides/slide8.xml><?xml version="1.0" encoding="utf-8"?>
-<p:sld xmlns:a="http://schemas.openxmlformats.org/drawingml/2006/main" xmlns:r="http://schemas.openxmlformats.org/officeDocument/2006/relationships" xmlns:p="http://schemas.openxmlformats.org/presentationml/2006/main">
-  <p:cSld>
-    <p:spTree>
-      <p:nvGrpSpPr>
-        <p:cNvPr id="1" name=""/>
-        <p:cNvGrpSpPr/>
-        <p:nvPr/>
-      </p:nvGrpSpPr>
-      <p:grpSpPr>
-        <a:xfrm>
-          <a:off x="0" y="0"/>
-          <a:ext cx="0" cy="0"/>
-          <a:chOff x="0" y="0"/>
-          <a:chExt cx="0" cy="0"/>
-        </a:xfrm>
-      </p:grpSpPr>
-      <p:sp>
-        <p:nvSpPr>
-          <p:cNvPr id="2" name="Title 1"/>
-          <p:cNvSpPr>
-            <a:spLocks noGrp="1"/>
-          </p:cNvSpPr>
-          <p:nvPr>
-            <p:ph type="title"/>
-          </p:nvPr>
-        </p:nvSpPr>
-        <p:spPr/>
-        <p:txBody>
-          <a:bodyPr/>
-          <a:lstStyle/>
-          <a:p>
-            <a:r>
-              <a:rPr lang="en-US" dirty="0" smtClean="0"/>
-              <a:t>Session 10, 11 – Computer Vision</a:t>
-            </a:r>
-            <a:endParaRPr lang="en-US" dirty="0"/>
-          </a:p>
-        </p:txBody>
-      </p:sp>
-      <p:sp>
-        <p:nvSpPr>
-          <p:cNvPr id="3" name="Footer Placeholder 2"/>
-          <p:cNvSpPr>
-            <a:spLocks noGrp="1"/>
-          </p:cNvSpPr>
-          <p:nvPr>
-            <p:ph type="ftr" sz="quarter" idx="11"/>
-          </p:nvPr>
-        </p:nvSpPr>
-        <p:spPr/>
-        <p:txBody>
-          <a:bodyPr/>
-          <a:lstStyle/>
-          <a:p>
-            <a:pPr>
-              <a:defRPr/>
-            </a:pPr>
-            <a:r>
-              <a:rPr lang="en-IN" smtClean="0"/>
-              <a:t>AXISCADES proprietary and confidential data</a:t>
-            </a:r>
-            <a:endParaRPr lang="en-IN"/>
-          </a:p>
-        </p:txBody>
-      </p:sp>
-      <p:sp>
-        <p:nvSpPr>
-          <p:cNvPr id="4" name="Slide Number Placeholder 3"/>
-          <p:cNvSpPr>
-            <a:spLocks noGrp="1"/>
-          </p:cNvSpPr>
-          <p:nvPr>
-            <p:ph type="sldNum" sz="quarter" idx="12"/>
-          </p:nvPr>
-        </p:nvSpPr>
-        <p:spPr/>
-        <p:txBody>
-          <a:bodyPr/>
-          <a:lstStyle/>
-          <a:p>
-            <a:fld id="{942AA6F4-5089-4C5D-8D3D-EC51493F3F3F}" type="slidenum">
-              <a:rPr lang="en-IN" smtClean="0"/>
-              <a:pPr/>
-              <a:t>8</a:t>
-            </a:fld>
-            <a:endParaRPr lang="en-IN" dirty="0"/>
-          </a:p>
-        </p:txBody>
-      </p:sp>
-      <p:sp>
-        <p:nvSpPr>
-          <p:cNvPr id="5" name="Content Placeholder 4"/>
-          <p:cNvSpPr>
-            <a:spLocks noGrp="1"/>
-          </p:cNvSpPr>
-          <p:nvPr>
-            <p:ph idx="1"/>
-          </p:nvPr>
-        </p:nvSpPr>
-        <p:spPr>
-          <a:xfrm>
-            <a:off x="814919" y="1519518"/>
-            <a:ext cx="8074709" cy="3815975"/>
-          </a:xfrm>
-        </p:spPr>
-        <p:txBody>
-          <a:bodyPr/>
-          <a:lstStyle/>
-          <a:p>
-            <a:r>
-              <a:rPr lang="en-US" dirty="0" smtClean="0"/>
-              <a:t>Object Classification – What an object is?</a:t>
-            </a:r>
-          </a:p>
-          <a:p>
-            <a:r>
-              <a:rPr lang="en-US" dirty="0" smtClean="0"/>
-              <a:t>Object Detection – Where the object is?</a:t>
-            </a:r>
-          </a:p>
-          <a:p>
-            <a:r>
-              <a:rPr lang="en-US" dirty="0" smtClean="0"/>
-              <a:t>Convolution Neural Networks – Using CNNs for generic detection</a:t>
-            </a:r>
-            <a:endParaRPr lang="en-US" dirty="0"/>
-          </a:p>
-        </p:txBody>
-      </p:sp>
-    </p:spTree>
-    <p:extLst>
-      <p:ext uri="{BB962C8B-B14F-4D97-AF65-F5344CB8AC3E}">
-        <p14:creationId xmlns:p14="http://schemas.microsoft.com/office/powerpoint/2010/main" val="734910740"/>
-      </p:ext>
-    </p:extLst>
-  </p:cSld>
-  <p:clrMapOvr>
-    <a:masterClrMapping/>
-  </p:clrMapOvr>
-</p:sld>
-</file>
-
-<file path=ppt/slides/slide9.xml><?xml version="1.0" encoding="utf-8"?>
-<p:sld xmlns:a="http://schemas.openxmlformats.org/drawingml/2006/main" xmlns:r="http://schemas.openxmlformats.org/officeDocument/2006/relationships" xmlns:p="http://schemas.openxmlformats.org/presentationml/2006/main">
-  <p:cSld>
-    <p:spTree>
-      <p:nvGrpSpPr>
-        <p:cNvPr id="1" name=""/>
-        <p:cNvGrpSpPr/>
-        <p:nvPr/>
-      </p:nvGrpSpPr>
-      <p:grpSpPr>
-        <a:xfrm>
-          <a:off x="0" y="0"/>
-          <a:ext cx="0" cy="0"/>
-          <a:chOff x="0" y="0"/>
-          <a:chExt cx="0" cy="0"/>
-        </a:xfrm>
-      </p:grpSpPr>
-      <p:sp>
-        <p:nvSpPr>
-          <p:cNvPr id="2" name="Title 1"/>
-          <p:cNvSpPr>
-            <a:spLocks noGrp="1"/>
-          </p:cNvSpPr>
-          <p:nvPr>
-            <p:ph type="title"/>
-          </p:nvPr>
-        </p:nvSpPr>
-        <p:spPr/>
-        <p:txBody>
-          <a:bodyPr/>
-          <a:lstStyle/>
-          <a:p>
-            <a:r>
-              <a:rPr lang="en-US" dirty="0" smtClean="0"/>
-              <a:t>Session 12 – Natural Language Processing</a:t>
-            </a:r>
-            <a:endParaRPr lang="en-US" dirty="0"/>
-          </a:p>
-        </p:txBody>
-      </p:sp>
-      <p:sp>
-        <p:nvSpPr>
-          <p:cNvPr id="3" name="Footer Placeholder 2"/>
-          <p:cNvSpPr>
-            <a:spLocks noGrp="1"/>
-          </p:cNvSpPr>
-          <p:nvPr>
-            <p:ph type="ftr" sz="quarter" idx="11"/>
-          </p:nvPr>
-        </p:nvSpPr>
-        <p:spPr/>
-        <p:txBody>
-          <a:bodyPr/>
-          <a:lstStyle/>
-          <a:p>
-            <a:pPr>
-              <a:defRPr/>
-            </a:pPr>
-            <a:r>
-              <a:rPr lang="en-IN" smtClean="0"/>
-              <a:t>AXISCADES proprietary and confidential data</a:t>
-            </a:r>
-            <a:endParaRPr lang="en-IN"/>
-          </a:p>
-        </p:txBody>
-      </p:sp>
-      <p:sp>
-        <p:nvSpPr>
-          <p:cNvPr id="4" name="Slide Number Placeholder 3"/>
-          <p:cNvSpPr>
-            <a:spLocks noGrp="1"/>
-          </p:cNvSpPr>
-          <p:nvPr>
-            <p:ph type="sldNum" sz="quarter" idx="12"/>
-          </p:nvPr>
-        </p:nvSpPr>
-        <p:spPr/>
-        <p:txBody>
-          <a:bodyPr/>
-          <a:lstStyle/>
-          <a:p>
-            <a:fld id="{942AA6F4-5089-4C5D-8D3D-EC51493F3F3F}" type="slidenum">
-              <a:rPr lang="en-IN" smtClean="0"/>
-              <a:pPr/>
-              <a:t>9</a:t>
-            </a:fld>
-            <a:endParaRPr lang="en-IN" dirty="0"/>
-          </a:p>
-        </p:txBody>
-      </p:sp>
-      <p:sp>
-        <p:nvSpPr>
-          <p:cNvPr id="5" name="Content Placeholder 4"/>
-          <p:cNvSpPr>
-            <a:spLocks noGrp="1"/>
-          </p:cNvSpPr>
-          <p:nvPr>
-            <p:ph idx="1"/>
-          </p:nvPr>
-        </p:nvSpPr>
-        <p:spPr>
-          <a:xfrm>
-            <a:off x="1344705" y="1573306"/>
-            <a:ext cx="4867836" cy="847165"/>
-          </a:xfrm>
-        </p:spPr>
-        <p:txBody>
-          <a:bodyPr/>
-          <a:lstStyle/>
-          <a:p>
-            <a:r>
-              <a:rPr lang="en-US" dirty="0" smtClean="0"/>
-              <a:t>Classifying Text from topics</a:t>
-            </a:r>
-          </a:p>
-          <a:p>
-            <a:r>
-              <a:rPr lang="en-US" dirty="0" smtClean="0"/>
-              <a:t>Building a basic </a:t>
-            </a:r>
-            <a:r>
-              <a:rPr lang="en-US" dirty="0" err="1" smtClean="0"/>
-              <a:t>Chatbot</a:t>
-            </a:r>
-            <a:r>
-              <a:rPr lang="en-US" dirty="0" smtClean="0"/>
-              <a:t> in Python</a:t>
-            </a:r>
-            <a:endParaRPr lang="en-US" dirty="0"/>
-          </a:p>
-        </p:txBody>
-      </p:sp>
-    </p:spTree>
-    <p:extLst>
-      <p:ext uri="{BB962C8B-B14F-4D97-AF65-F5344CB8AC3E}">
-        <p14:creationId xmlns:p14="http://schemas.microsoft.com/office/powerpoint/2010/main" val="4273629282"/>
-      </p:ext>
-    </p:extLst>
-  </p:cSld>
-  <p:clrMapOvr>
-    <a:masterClrMapping/>
-  </p:clrMapOvr>
 </p:sld>
 </file>
 
